--- a/project/2018_2dgp_2015182005_김동석_2차발표.pptx
+++ b/project/2018_2dgp_2015182005_김동석_2차발표.pptx
@@ -206,7 +206,7 @@
               <c:strCache>
                 <c:ptCount val="1"/>
                 <c:pt idx="0">
-                  <c:v>1</c:v>
+                  <c:v>세로 막대형2</c:v>
                 </c:pt>
               </c:strCache>
             </c:strRef>
@@ -346,7 +346,7 @@
                   <c:v>3</c:v>
                 </c:pt>
                 <c:pt idx="8">
-                  <c:v>3</c:v>
+                  <c:v>5</c:v>
                 </c:pt>
               </c:numCache>
             </c:numRef>
@@ -20703,7 +20703,7 @@
           <p:nvPr>
             <p:extLst>
               <p:ext uri="{D42A27DB-BD31-4B8C-83A1-F6EECF244321}">
-                <p14:modId xmlns:p14="http://schemas.microsoft.com/office/powerpoint/2010/main" val="4071351020"/>
+                <p14:modId xmlns:p14="http://schemas.microsoft.com/office/powerpoint/2010/main" val="2300222176"/>
               </p:ext>
             </p:extLst>
           </p:nvPr>
